--- a/Connecting Dreams Foundation_Internship/Piyush Goel_STU64f4aeabe97e31693757099.pptx
+++ b/Connecting Dreams Foundation_Internship/Piyush Goel_STU64f4aeabe97e31693757099.pptx
@@ -11058,8 +11058,8 @@
         </p:nvSpPr>
         <p:spPr bwMode="auto">
           <a:xfrm>
-            <a:off x="1046163" y="1973657"/>
-            <a:ext cx="6788990" cy="3539430"/>
+            <a:off x="364844" y="1561897"/>
+            <a:ext cx="8223343" cy="4524315"/>
           </a:xfrm>
           <a:prstGeom prst="rect">
             <a:avLst/>
@@ -11123,6 +11123,10 @@
               <a:buNone/>
               <a:tabLst/>
             </a:pPr>
+            <a:r>
+              <a:rPr lang="en-GB" sz="2400" dirty="0"/>
+              <a:t>The organization is grappling with high employee attrition rates, which negatively impact productivity and increase recruitment costs. There is a lack of comprehensive insight into the demographic factors influencing employee retention and attrition, making it difficult to develop effective HR strategies. Additionally, current HR practices are not fully data-driven, leading to suboptimal decision-making regarding employee management and retention. To address these challenges, the organization needs detailed, actionable insights to optimize HR policies, enhance employee satisfaction, and reduce attrition rates.</a:t>
+            </a:r>
             <a:endParaRPr kumimoji="0" lang="en-US" altLang="en-US" sz="2800" b="0" i="0" u="none" strike="noStrike" cap="none" normalizeH="0" baseline="0" dirty="0">
               <a:ln>
                 <a:noFill/>
@@ -11133,99 +11137,6 @@
               <a:effectLst/>
               <a:latin typeface="Arial" panose="020B0604020202020204" pitchFamily="34" charset="0"/>
             </a:endParaRPr>
-          </a:p>
-          <a:p>
-            <a:pPr marL="0" marR="0" lvl="0" indent="0" algn="l" defTabSz="914400" rtl="0" eaLnBrk="0" fontAlgn="base" latinLnBrk="0" hangingPunct="0">
-              <a:lnSpc>
-                <a:spcPct val="100000"/>
-              </a:lnSpc>
-              <a:spcBef>
-                <a:spcPct val="0"/>
-              </a:spcBef>
-              <a:spcAft>
-                <a:spcPct val="0"/>
-              </a:spcAft>
-              <a:buClrTx/>
-              <a:buSzTx/>
-              <a:buFontTx/>
-              <a:buChar char="•"/>
-              <a:tabLst/>
-            </a:pPr>
-            <a:r>
-              <a:rPr kumimoji="0" lang="en-US" altLang="en-US" sz="2800" b="0" i="0" u="none" strike="noStrike" cap="none" normalizeH="0" baseline="0" dirty="0">
-                <a:ln>
-                  <a:noFill/>
-                </a:ln>
-                <a:solidFill>
-                  <a:schemeClr val="tx1"/>
-                </a:solidFill>
-                <a:effectLst/>
-                <a:latin typeface="Arial" panose="020B0604020202020204" pitchFamily="34" charset="0"/>
-              </a:rPr>
-              <a:t> High employee attrition rates impacting productivity and costs.</a:t>
-            </a:r>
-          </a:p>
-          <a:p>
-            <a:pPr marL="0" marR="0" lvl="0" indent="0" algn="l" defTabSz="914400" rtl="0" eaLnBrk="0" fontAlgn="base" latinLnBrk="0" hangingPunct="0">
-              <a:lnSpc>
-                <a:spcPct val="100000"/>
-              </a:lnSpc>
-              <a:spcBef>
-                <a:spcPct val="0"/>
-              </a:spcBef>
-              <a:spcAft>
-                <a:spcPct val="0"/>
-              </a:spcAft>
-              <a:buClrTx/>
-              <a:buSzTx/>
-              <a:buFontTx/>
-              <a:buChar char="•"/>
-              <a:tabLst/>
-            </a:pPr>
-            <a:r>
-              <a:rPr kumimoji="0" lang="en-US" altLang="en-US" sz="2800" b="0" i="0" u="none" strike="noStrike" cap="none" normalizeH="0" baseline="0" dirty="0">
-                <a:ln>
-                  <a:noFill/>
-                </a:ln>
-                <a:solidFill>
-                  <a:schemeClr val="tx1"/>
-                </a:solidFill>
-                <a:effectLst/>
-                <a:latin typeface="Arial" panose="020B0604020202020204" pitchFamily="34" charset="0"/>
-              </a:rPr>
-              <a:t> Lack of detailed insights into employee demographics and trends.</a:t>
-            </a:r>
-          </a:p>
-          <a:p>
-            <a:pPr marL="0" marR="0" lvl="0" indent="0" algn="l" defTabSz="914400" rtl="0" eaLnBrk="0" fontAlgn="base" latinLnBrk="0" hangingPunct="0">
-              <a:lnSpc>
-                <a:spcPct val="100000"/>
-              </a:lnSpc>
-              <a:spcBef>
-                <a:spcPct val="0"/>
-              </a:spcBef>
-              <a:spcAft>
-                <a:spcPct val="0"/>
-              </a:spcAft>
-              <a:buClrTx/>
-              <a:buSzTx/>
-              <a:buFontTx/>
-              <a:buChar char="•"/>
-              <a:tabLst/>
-            </a:pPr>
-            <a:r>
-              <a:rPr kumimoji="0" lang="en-US" altLang="en-US" sz="2800" b="0" i="0" u="none" strike="noStrike" cap="none" normalizeH="0" baseline="0" dirty="0">
-                <a:ln>
-                  <a:noFill/>
-                </a:ln>
-                <a:solidFill>
-                  <a:schemeClr val="tx1"/>
-                </a:solidFill>
-                <a:effectLst/>
-                <a:latin typeface="Arial" panose="020B0604020202020204" pitchFamily="34" charset="0"/>
-              </a:rPr>
-              <a:t> Need for a data-driven approach to improve HR strategies and decision-making. </a:t>
-            </a:r>
           </a:p>
         </p:txBody>
       </p:sp>
@@ -16141,11 +16052,13 @@
             </a:r>
             <a:r>
               <a:rPr lang="en-IN" dirty="0"/>
-              <a:t> </a:t>
-            </a:r>
-            <a:r>
-              <a:rPr lang="en-IN"/>
-              <a:t>Link:- </a:t>
+              <a:t> Link:- </a:t>
+            </a:r>
+            <a:r>
+              <a:rPr lang="en-IN" dirty="0">
+                <a:hlinkClick r:id="rId4"/>
+              </a:rPr>
+              <a:t>Link</a:t>
             </a:r>
             <a:endParaRPr lang="en-IN" dirty="0"/>
           </a:p>
